--- a/Husby_Trojborg.pptx
+++ b/Husby_Trojborg.pptx
@@ -3468,7 +3468,7 @@
             <a:pPr lvl="1"/>
             <a:r>
               <a:rPr/>
-              <a:t>9 groups Husby, 5 groups Trojborg</a:t>
+              <a:t>6 groups Husby, 4 groups Trojborg</a:t>
             </a:r>
           </a:p>
         </p:txBody>
